--- a/doc/help/figures.pptx
+++ b/doc/help/figures.pptx
@@ -6,6 +6,7 @@
   </p:sldMasterIdLst>
   <p:sldIdLst>
     <p:sldId id="256" r:id="rId2"/>
+    <p:sldId id="257" r:id="rId3"/>
   </p:sldIdLst>
   <p:sldSz cx="12192000" cy="6858000"/>
   <p:notesSz cx="6858000" cy="9144000"/>
@@ -110,9 +111,13 @@
         <p14:section name="タイトルなしのセクション" id="{15C35AAB-6B3D-41C4-93F3-7ED8E4B4E2F1}">
           <p14:sldIdLst>
             <p14:sldId id="256"/>
+            <p14:sldId id="257"/>
           </p14:sldIdLst>
         </p14:section>
       </p14:sectionLst>
+    </p:ext>
+    <p:ext uri="{EFAFB233-063F-42B5-8137-9DF3F51BA10A}">
+      <p15:sldGuideLst xmlns:p15="http://schemas.microsoft.com/office/powerpoint/2012/main"/>
     </p:ext>
   </p:extLst>
 </p:presentation>
@@ -265,7 +270,7 @@
           <a:p>
             <a:fld id="{26DD2E8B-62F0-43A8-B418-971AF2E1D435}" type="datetimeFigureOut">
               <a:rPr kumimoji="1" lang="ja-JP" altLang="en-US" smtClean="0"/>
-              <a:t>2021/8/3</a:t>
+              <a:t>2021/8/4</a:t>
             </a:fld>
             <a:endParaRPr kumimoji="1" lang="ja-JP" altLang="en-US"/>
           </a:p>
@@ -495,7 +500,7 @@
           <a:p>
             <a:fld id="{26DD2E8B-62F0-43A8-B418-971AF2E1D435}" type="datetimeFigureOut">
               <a:rPr kumimoji="1" lang="ja-JP" altLang="en-US" smtClean="0"/>
-              <a:t>2021/8/3</a:t>
+              <a:t>2021/8/4</a:t>
             </a:fld>
             <a:endParaRPr kumimoji="1" lang="ja-JP" altLang="en-US"/>
           </a:p>
@@ -735,7 +740,7 @@
           <a:p>
             <a:fld id="{26DD2E8B-62F0-43A8-B418-971AF2E1D435}" type="datetimeFigureOut">
               <a:rPr kumimoji="1" lang="ja-JP" altLang="en-US" smtClean="0"/>
-              <a:t>2021/8/3</a:t>
+              <a:t>2021/8/4</a:t>
             </a:fld>
             <a:endParaRPr kumimoji="1" lang="ja-JP" altLang="en-US"/>
           </a:p>
@@ -965,7 +970,7 @@
           <a:p>
             <a:fld id="{26DD2E8B-62F0-43A8-B418-971AF2E1D435}" type="datetimeFigureOut">
               <a:rPr kumimoji="1" lang="ja-JP" altLang="en-US" smtClean="0"/>
-              <a:t>2021/8/3</a:t>
+              <a:t>2021/8/4</a:t>
             </a:fld>
             <a:endParaRPr kumimoji="1" lang="ja-JP" altLang="en-US"/>
           </a:p>
@@ -1240,7 +1245,7 @@
           <a:p>
             <a:fld id="{26DD2E8B-62F0-43A8-B418-971AF2E1D435}" type="datetimeFigureOut">
               <a:rPr kumimoji="1" lang="ja-JP" altLang="en-US" smtClean="0"/>
-              <a:t>2021/8/3</a:t>
+              <a:t>2021/8/4</a:t>
             </a:fld>
             <a:endParaRPr kumimoji="1" lang="ja-JP" altLang="en-US"/>
           </a:p>
@@ -1569,7 +1574,7 @@
           <a:p>
             <a:fld id="{26DD2E8B-62F0-43A8-B418-971AF2E1D435}" type="datetimeFigureOut">
               <a:rPr kumimoji="1" lang="ja-JP" altLang="en-US" smtClean="0"/>
-              <a:t>2021/8/3</a:t>
+              <a:t>2021/8/4</a:t>
             </a:fld>
             <a:endParaRPr kumimoji="1" lang="ja-JP" altLang="en-US"/>
           </a:p>
@@ -2045,7 +2050,7 @@
           <a:p>
             <a:fld id="{26DD2E8B-62F0-43A8-B418-971AF2E1D435}" type="datetimeFigureOut">
               <a:rPr kumimoji="1" lang="ja-JP" altLang="en-US" smtClean="0"/>
-              <a:t>2021/8/3</a:t>
+              <a:t>2021/8/4</a:t>
             </a:fld>
             <a:endParaRPr kumimoji="1" lang="ja-JP" altLang="en-US"/>
           </a:p>
@@ -2186,7 +2191,7 @@
           <a:p>
             <a:fld id="{26DD2E8B-62F0-43A8-B418-971AF2E1D435}" type="datetimeFigureOut">
               <a:rPr kumimoji="1" lang="ja-JP" altLang="en-US" smtClean="0"/>
-              <a:t>2021/8/3</a:t>
+              <a:t>2021/8/4</a:t>
             </a:fld>
             <a:endParaRPr kumimoji="1" lang="ja-JP" altLang="en-US"/>
           </a:p>
@@ -2299,7 +2304,7 @@
           <a:p>
             <a:fld id="{26DD2E8B-62F0-43A8-B418-971AF2E1D435}" type="datetimeFigureOut">
               <a:rPr kumimoji="1" lang="ja-JP" altLang="en-US" smtClean="0"/>
-              <a:t>2021/8/3</a:t>
+              <a:t>2021/8/4</a:t>
             </a:fld>
             <a:endParaRPr kumimoji="1" lang="ja-JP" altLang="en-US"/>
           </a:p>
@@ -2642,7 +2647,7 @@
           <a:p>
             <a:fld id="{26DD2E8B-62F0-43A8-B418-971AF2E1D435}" type="datetimeFigureOut">
               <a:rPr kumimoji="1" lang="ja-JP" altLang="en-US" smtClean="0"/>
-              <a:t>2021/8/3</a:t>
+              <a:t>2021/8/4</a:t>
             </a:fld>
             <a:endParaRPr kumimoji="1" lang="ja-JP" altLang="en-US"/>
           </a:p>
@@ -2930,7 +2935,7 @@
           <a:p>
             <a:fld id="{26DD2E8B-62F0-43A8-B418-971AF2E1D435}" type="datetimeFigureOut">
               <a:rPr kumimoji="1" lang="ja-JP" altLang="en-US" smtClean="0"/>
-              <a:t>2021/8/3</a:t>
+              <a:t>2021/8/4</a:t>
             </a:fld>
             <a:endParaRPr kumimoji="1" lang="ja-JP" altLang="en-US"/>
           </a:p>
@@ -3203,7 +3208,7 @@
           <a:p>
             <a:fld id="{26DD2E8B-62F0-43A8-B418-971AF2E1D435}" type="datetimeFigureOut">
               <a:rPr kumimoji="1" lang="ja-JP" altLang="en-US" smtClean="0"/>
-              <a:t>2021/8/3</a:t>
+              <a:t>2021/8/4</a:t>
             </a:fld>
             <a:endParaRPr kumimoji="1" lang="ja-JP" altLang="en-US"/>
           </a:p>
@@ -4034,6 +4039,222 @@
 </p:sld>
 </file>
 
+<file path=ppt/slides/slide2.xml><?xml version="1.0" encoding="utf-8"?>
+<p:sld xmlns:a="http://schemas.openxmlformats.org/drawingml/2006/main" xmlns:r="http://schemas.openxmlformats.org/officeDocument/2006/relationships" xmlns:p="http://schemas.openxmlformats.org/presentationml/2006/main">
+  <p:cSld>
+    <p:spTree>
+      <p:nvGrpSpPr>
+        <p:cNvPr id="1" name=""/>
+        <p:cNvGrpSpPr/>
+        <p:nvPr/>
+      </p:nvGrpSpPr>
+      <p:grpSpPr>
+        <a:xfrm>
+          <a:off x="0" y="0"/>
+          <a:ext cx="0" cy="0"/>
+          <a:chOff x="0" y="0"/>
+          <a:chExt cx="0" cy="0"/>
+        </a:xfrm>
+      </p:grpSpPr>
+      <p:pic>
+        <p:nvPicPr>
+          <p:cNvPr id="4" name="図 3">
+            <a:extLst>
+              <a:ext uri="{FF2B5EF4-FFF2-40B4-BE49-F238E27FC236}">
+                <a16:creationId xmlns:a16="http://schemas.microsoft.com/office/drawing/2014/main" id="{4EEA1047-A2FF-4B2B-8CE1-A7DB1510BF8B}"/>
+              </a:ext>
+            </a:extLst>
+          </p:cNvPr>
+          <p:cNvPicPr>
+            <a:picLocks noChangeAspect="1"/>
+          </p:cNvPicPr>
+          <p:nvPr/>
+        </p:nvPicPr>
+        <p:blipFill>
+          <a:blip r:embed="rId2"/>
+          <a:stretch>
+            <a:fillRect/>
+          </a:stretch>
+        </p:blipFill>
+        <p:spPr>
+          <a:xfrm>
+            <a:off x="2569776" y="0"/>
+            <a:ext cx="7052447" cy="6858000"/>
+          </a:xfrm>
+          <a:prstGeom prst="rect">
+            <a:avLst/>
+          </a:prstGeom>
+        </p:spPr>
+      </p:pic>
+      <p:sp>
+        <p:nvSpPr>
+          <p:cNvPr id="5" name="正方形/長方形 4">
+            <a:extLst>
+              <a:ext uri="{FF2B5EF4-FFF2-40B4-BE49-F238E27FC236}">
+                <a16:creationId xmlns:a16="http://schemas.microsoft.com/office/drawing/2014/main" id="{60A6BDC2-7856-4979-AB72-2FF3D69F1042}"/>
+              </a:ext>
+            </a:extLst>
+          </p:cNvPr>
+          <p:cNvSpPr/>
+          <p:nvPr/>
+        </p:nvSpPr>
+        <p:spPr>
+          <a:xfrm>
+            <a:off x="2869035" y="2197916"/>
+            <a:ext cx="1518407" cy="251669"/>
+          </a:xfrm>
+          <a:prstGeom prst="rect">
+            <a:avLst/>
+          </a:prstGeom>
+          <a:noFill/>
+          <a:ln w="38100">
+            <a:solidFill>
+              <a:srgbClr val="FF0000"/>
+            </a:solidFill>
+          </a:ln>
+        </p:spPr>
+        <p:style>
+          <a:lnRef idx="2">
+            <a:schemeClr val="accent1">
+              <a:shade val="50000"/>
+            </a:schemeClr>
+          </a:lnRef>
+          <a:fillRef idx="1">
+            <a:schemeClr val="accent1"/>
+          </a:fillRef>
+          <a:effectRef idx="0">
+            <a:schemeClr val="accent1"/>
+          </a:effectRef>
+          <a:fontRef idx="minor">
+            <a:schemeClr val="lt1"/>
+          </a:fontRef>
+        </p:style>
+        <p:txBody>
+          <a:bodyPr rtlCol="0" anchor="ctr"/>
+          <a:lstStyle/>
+          <a:p>
+            <a:pPr algn="ctr"/>
+            <a:endParaRPr kumimoji="1" lang="ja-JP" altLang="en-US"/>
+          </a:p>
+        </p:txBody>
+      </p:sp>
+      <p:sp>
+        <p:nvSpPr>
+          <p:cNvPr id="6" name="正方形/長方形 5">
+            <a:extLst>
+              <a:ext uri="{FF2B5EF4-FFF2-40B4-BE49-F238E27FC236}">
+                <a16:creationId xmlns:a16="http://schemas.microsoft.com/office/drawing/2014/main" id="{59325420-E3C0-4271-B713-2D3AA58FE0AC}"/>
+              </a:ext>
+            </a:extLst>
+          </p:cNvPr>
+          <p:cNvSpPr/>
+          <p:nvPr/>
+        </p:nvSpPr>
+        <p:spPr>
+          <a:xfrm>
+            <a:off x="2869035" y="3775047"/>
+            <a:ext cx="1518407" cy="251669"/>
+          </a:xfrm>
+          <a:prstGeom prst="rect">
+            <a:avLst/>
+          </a:prstGeom>
+          <a:noFill/>
+          <a:ln w="38100">
+            <a:solidFill>
+              <a:srgbClr val="FF0000"/>
+            </a:solidFill>
+          </a:ln>
+        </p:spPr>
+        <p:style>
+          <a:lnRef idx="2">
+            <a:schemeClr val="accent1">
+              <a:shade val="50000"/>
+            </a:schemeClr>
+          </a:lnRef>
+          <a:fillRef idx="1">
+            <a:schemeClr val="accent1"/>
+          </a:fillRef>
+          <a:effectRef idx="0">
+            <a:schemeClr val="accent1"/>
+          </a:effectRef>
+          <a:fontRef idx="minor">
+            <a:schemeClr val="lt1"/>
+          </a:fontRef>
+        </p:style>
+        <p:txBody>
+          <a:bodyPr rtlCol="0" anchor="ctr"/>
+          <a:lstStyle/>
+          <a:p>
+            <a:pPr algn="ctr"/>
+            <a:endParaRPr kumimoji="1" lang="ja-JP" altLang="en-US"/>
+          </a:p>
+        </p:txBody>
+      </p:sp>
+      <p:sp>
+        <p:nvSpPr>
+          <p:cNvPr id="7" name="正方形/長方形 6">
+            <a:extLst>
+              <a:ext uri="{FF2B5EF4-FFF2-40B4-BE49-F238E27FC236}">
+                <a16:creationId xmlns:a16="http://schemas.microsoft.com/office/drawing/2014/main" id="{31B5C19B-86F1-43D7-A310-825B002F4B62}"/>
+              </a:ext>
+            </a:extLst>
+          </p:cNvPr>
+          <p:cNvSpPr/>
+          <p:nvPr/>
+        </p:nvSpPr>
+        <p:spPr>
+          <a:xfrm>
+            <a:off x="5209563" y="2197916"/>
+            <a:ext cx="1518407" cy="251669"/>
+          </a:xfrm>
+          <a:prstGeom prst="rect">
+            <a:avLst/>
+          </a:prstGeom>
+          <a:noFill/>
+          <a:ln w="38100">
+            <a:solidFill>
+              <a:srgbClr val="FF0000"/>
+            </a:solidFill>
+          </a:ln>
+        </p:spPr>
+        <p:style>
+          <a:lnRef idx="2">
+            <a:schemeClr val="accent1">
+              <a:shade val="50000"/>
+            </a:schemeClr>
+          </a:lnRef>
+          <a:fillRef idx="1">
+            <a:schemeClr val="accent1"/>
+          </a:fillRef>
+          <a:effectRef idx="0">
+            <a:schemeClr val="accent1"/>
+          </a:effectRef>
+          <a:fontRef idx="minor">
+            <a:schemeClr val="lt1"/>
+          </a:fontRef>
+        </p:style>
+        <p:txBody>
+          <a:bodyPr rtlCol="0" anchor="ctr"/>
+          <a:lstStyle/>
+          <a:p>
+            <a:pPr algn="ctr"/>
+            <a:endParaRPr kumimoji="1" lang="ja-JP" altLang="en-US"/>
+          </a:p>
+        </p:txBody>
+      </p:sp>
+    </p:spTree>
+    <p:extLst>
+      <p:ext uri="{BB962C8B-B14F-4D97-AF65-F5344CB8AC3E}">
+        <p14:creationId xmlns:p14="http://schemas.microsoft.com/office/powerpoint/2010/main" val="2496378875"/>
+      </p:ext>
+    </p:extLst>
+  </p:cSld>
+  <p:clrMapOvr>
+    <a:masterClrMapping/>
+  </p:clrMapOvr>
+</p:sld>
+</file>
+
 <file path=ppt/theme/theme1.xml><?xml version="1.0" encoding="utf-8"?>
 <a:theme xmlns:a="http://schemas.openxmlformats.org/drawingml/2006/main" name="Office テーマ">
   <a:themeElements>
